--- a/Week5/Nikhil_Capstone.pptx
+++ b/Week5/Nikhil_Capstone.pptx
@@ -6023,7 +6023,7 @@
         <p:spPr>
           <a:xfrm>
             <a:off x="763726" y="1192696"/>
-            <a:ext cx="8587409" cy="1938992"/>
+            <a:ext cx="8587409" cy="2215991"/>
           </a:xfrm>
           <a:prstGeom prst="rect">
             <a:avLst/>
@@ -6038,7 +6038,19 @@
           <a:p>
             <a:r>
               <a:rPr lang="en-CA" dirty="0"/>
-              <a:t>A friend of mine who runs a leading Restaurant Supply Store has found out that I am studying data science and has asked for help in trying to determine which neighborhood in Toronto he should open his new store in.</a:t>
+              <a:t>A Mutual </a:t>
+            </a:r>
+            <a:r>
+              <a:rPr lang="en-CA" dirty="0" err="1"/>
+              <a:t>Acquaintace</a:t>
+            </a:r>
+            <a:r>
+              <a:rPr lang="en-CA"/>
+              <a:t> who </a:t>
+            </a:r>
+            <a:r>
+              <a:rPr lang="en-CA" dirty="0"/>
+              <a:t>runs a leading Restaurant Supply Store has found out that I am studying data science and has asked for help in trying to determine which neighborhood in Toronto he should open his new store in.</a:t>
             </a:r>
             <a:br>
               <a:rPr lang="en-CA" dirty="0"/>
